--- a/Week 2 - ORM/Week 2 presentatie - Code Blocks & ORM.pptx
+++ b/Week 2 - ORM/Week 2 presentatie - Code Blocks & ORM.pptx
@@ -137,7 +137,7 @@
   <pc:docChgLst>
     <pc:chgData name="Weges, Wouter" userId="3777fe71-dce6-4e56-b802-8222ee201179" providerId="ADAL" clId="{951859CA-213E-4C76-9DF4-E5B79B39532B}"/>
     <pc:docChg chg="undo redo custSel addSld delSld modSld sldOrd">
-      <pc:chgData name="Weges, Wouter" userId="3777fe71-dce6-4e56-b802-8222ee201179" providerId="ADAL" clId="{951859CA-213E-4C76-9DF4-E5B79B39532B}" dt="2024-09-17T07:36:30.068" v="3298" actId="790"/>
+      <pc:chgData name="Weges, Wouter" userId="3777fe71-dce6-4e56-b802-8222ee201179" providerId="ADAL" clId="{951859CA-213E-4C76-9DF4-E5B79B39532B}" dt="2024-09-23T13:38:38.642" v="3302" actId="1036"/>
       <pc:docMkLst>
         <pc:docMk/>
       </pc:docMkLst>
@@ -220,7 +220,7 @@
         </pc:sldMkLst>
       </pc:sldChg>
       <pc:sldChg chg="addSp modSp mod">
-        <pc:chgData name="Weges, Wouter" userId="3777fe71-dce6-4e56-b802-8222ee201179" providerId="ADAL" clId="{951859CA-213E-4C76-9DF4-E5B79B39532B}" dt="2024-09-16T12:39:27.073" v="778" actId="1076"/>
+        <pc:chgData name="Weges, Wouter" userId="3777fe71-dce6-4e56-b802-8222ee201179" providerId="ADAL" clId="{951859CA-213E-4C76-9DF4-E5B79B39532B}" dt="2024-09-23T13:38:38.642" v="3302" actId="1036"/>
         <pc:sldMkLst>
           <pc:docMk/>
           <pc:sldMk cId="3935327963" sldId="271"/>
@@ -242,7 +242,7 @@
           </ac:spMkLst>
         </pc:spChg>
         <pc:picChg chg="add mod">
-          <ac:chgData name="Weges, Wouter" userId="3777fe71-dce6-4e56-b802-8222ee201179" providerId="ADAL" clId="{951859CA-213E-4C76-9DF4-E5B79B39532B}" dt="2024-09-16T12:39:27.073" v="778" actId="1076"/>
+          <ac:chgData name="Weges, Wouter" userId="3777fe71-dce6-4e56-b802-8222ee201179" providerId="ADAL" clId="{951859CA-213E-4C76-9DF4-E5B79B39532B}" dt="2024-09-23T13:38:38.642" v="3302" actId="1036"/>
           <ac:picMkLst>
             <pc:docMk/>
             <pc:sldMk cId="3935327963" sldId="271"/>
@@ -735,13 +735,13 @@
         </pc:picChg>
       </pc:sldChg>
       <pc:sldChg chg="delSp modSp add mod">
-        <pc:chgData name="Weges, Wouter" userId="3777fe71-dce6-4e56-b802-8222ee201179" providerId="ADAL" clId="{951859CA-213E-4C76-9DF4-E5B79B39532B}" dt="2024-09-17T07:35:53.716" v="3296" actId="790"/>
+        <pc:chgData name="Weges, Wouter" userId="3777fe71-dce6-4e56-b802-8222ee201179" providerId="ADAL" clId="{951859CA-213E-4C76-9DF4-E5B79B39532B}" dt="2024-09-17T10:50:45.079" v="3300" actId="20577"/>
         <pc:sldMkLst>
           <pc:docMk/>
           <pc:sldMk cId="804210561" sldId="286"/>
         </pc:sldMkLst>
         <pc:spChg chg="mod">
-          <ac:chgData name="Weges, Wouter" userId="3777fe71-dce6-4e56-b802-8222ee201179" providerId="ADAL" clId="{951859CA-213E-4C76-9DF4-E5B79B39532B}" dt="2024-09-17T07:35:53.716" v="3296" actId="790"/>
+          <ac:chgData name="Weges, Wouter" userId="3777fe71-dce6-4e56-b802-8222ee201179" providerId="ADAL" clId="{951859CA-213E-4C76-9DF4-E5B79B39532B}" dt="2024-09-17T10:50:45.079" v="3300" actId="20577"/>
           <ac:spMkLst>
             <pc:docMk/>
             <pc:sldMk cId="804210561" sldId="286"/>
@@ -952,7 +952,7 @@
           <a:p>
             <a:fld id="{B6D41BCC-AD73-4203-A5A6-E62EB28B0FE6}" type="datetimeFigureOut">
               <a:rPr lang="en-US" smtClean="0"/>
-              <a:t>9/17/2024</a:t>
+              <a:t>9/23/2024</a:t>
             </a:fld>
             <a:endParaRPr lang="en-US"/>
           </a:p>
@@ -1160,7 +1160,7 @@
           <a:p>
             <a:fld id="{B6D41BCC-AD73-4203-A5A6-E62EB28B0FE6}" type="datetimeFigureOut">
               <a:rPr lang="en-US" smtClean="0"/>
-              <a:t>9/17/2024</a:t>
+              <a:t>9/23/2024</a:t>
             </a:fld>
             <a:endParaRPr lang="en-US"/>
           </a:p>
@@ -1368,7 +1368,7 @@
           <a:p>
             <a:fld id="{B6D41BCC-AD73-4203-A5A6-E62EB28B0FE6}" type="datetimeFigureOut">
               <a:rPr lang="en-US" smtClean="0"/>
-              <a:t>9/17/2024</a:t>
+              <a:t>9/23/2024</a:t>
             </a:fld>
             <a:endParaRPr lang="en-US"/>
           </a:p>
@@ -1566,7 +1566,7 @@
           <a:p>
             <a:fld id="{B6D41BCC-AD73-4203-A5A6-E62EB28B0FE6}" type="datetimeFigureOut">
               <a:rPr lang="en-US" smtClean="0"/>
-              <a:t>9/17/2024</a:t>
+              <a:t>9/23/2024</a:t>
             </a:fld>
             <a:endParaRPr lang="en-US"/>
           </a:p>
@@ -1843,7 +1843,7 @@
           <a:p>
             <a:fld id="{B6D41BCC-AD73-4203-A5A6-E62EB28B0FE6}" type="datetimeFigureOut">
               <a:rPr lang="en-US" smtClean="0"/>
-              <a:t>9/17/2024</a:t>
+              <a:t>9/23/2024</a:t>
             </a:fld>
             <a:endParaRPr lang="en-US"/>
           </a:p>
@@ -2113,7 +2113,7 @@
           <a:p>
             <a:fld id="{B6D41BCC-AD73-4203-A5A6-E62EB28B0FE6}" type="datetimeFigureOut">
               <a:rPr lang="en-US" smtClean="0"/>
-              <a:t>9/17/2024</a:t>
+              <a:t>9/23/2024</a:t>
             </a:fld>
             <a:endParaRPr lang="en-US"/>
           </a:p>
@@ -2529,7 +2529,7 @@
           <a:p>
             <a:fld id="{B6D41BCC-AD73-4203-A5A6-E62EB28B0FE6}" type="datetimeFigureOut">
               <a:rPr lang="en-US" smtClean="0"/>
-              <a:t>9/17/2024</a:t>
+              <a:t>9/23/2024</a:t>
             </a:fld>
             <a:endParaRPr lang="en-US"/>
           </a:p>
@@ -2670,7 +2670,7 @@
           <a:p>
             <a:fld id="{B6D41BCC-AD73-4203-A5A6-E62EB28B0FE6}" type="datetimeFigureOut">
               <a:rPr lang="en-US" smtClean="0"/>
-              <a:t>9/17/2024</a:t>
+              <a:t>9/23/2024</a:t>
             </a:fld>
             <a:endParaRPr lang="en-US"/>
           </a:p>
@@ -2783,7 +2783,7 @@
           <a:p>
             <a:fld id="{B6D41BCC-AD73-4203-A5A6-E62EB28B0FE6}" type="datetimeFigureOut">
               <a:rPr lang="en-US" smtClean="0"/>
-              <a:t>9/17/2024</a:t>
+              <a:t>9/23/2024</a:t>
             </a:fld>
             <a:endParaRPr lang="en-US"/>
           </a:p>
@@ -3109,7 +3109,7 @@
           <a:p>
             <a:fld id="{B6D41BCC-AD73-4203-A5A6-E62EB28B0FE6}" type="datetimeFigureOut">
               <a:rPr lang="en-US" smtClean="0"/>
-              <a:t>9/17/2024</a:t>
+              <a:t>9/23/2024</a:t>
             </a:fld>
             <a:endParaRPr lang="en-US"/>
           </a:p>
@@ -3397,7 +3397,7 @@
           <a:p>
             <a:fld id="{B6D41BCC-AD73-4203-A5A6-E62EB28B0FE6}" type="datetimeFigureOut">
               <a:rPr lang="en-US" smtClean="0"/>
-              <a:t>9/17/2024</a:t>
+              <a:t>9/23/2024</a:t>
             </a:fld>
             <a:endParaRPr lang="en-US"/>
           </a:p>
@@ -3637,7 +3637,7 @@
             <a:fld id="{B6D41BCC-AD73-4203-A5A6-E62EB28B0FE6}" type="datetimeFigureOut">
               <a:rPr lang="en-US" smtClean="0"/>
               <a:pPr/>
-              <a:t>9/17/2024</a:t>
+              <a:t>9/23/2024</a:t>
             </a:fld>
             <a:endParaRPr lang="en-US"/>
           </a:p>
@@ -4898,7 +4898,15 @@
           <a:p>
             <a:r>
               <a:rPr lang="nl-NL" dirty="0"/>
-              <a:t>Als je migraties klaas zijn moet je hem upgraden om de veranderingen door te voeren met: </a:t>
+              <a:t>Als je </a:t>
+            </a:r>
+            <a:r>
+              <a:rPr lang="nl-NL"/>
+              <a:t>migraties klaar </a:t>
+            </a:r>
+            <a:r>
+              <a:rPr lang="nl-NL" dirty="0"/>
+              <a:t>zijn moet je hem upgraden om de veranderingen door te voeren met: </a:t>
             </a:r>
             <a:r>
               <a:rPr lang="nl-NL" dirty="0" err="1"/>
@@ -5640,7 +5648,7 @@
         </p:blipFill>
         <p:spPr>
           <a:xfrm>
-            <a:off x="3155890" y="2610072"/>
+            <a:off x="3147939" y="2618023"/>
             <a:ext cx="6430272" cy="3248478"/>
           </a:xfrm>
           <a:prstGeom prst="rect">
